--- a/2)Observer.pptx
+++ b/2)Observer.pptx
@@ -304,7 +304,7 @@
           <a:p>
             <a:fld id="{18F1067E-4A61-4539-8DC0-017904FDF565}" type="datetimeFigureOut">
               <a:rPr lang="ru-RU" smtClean="0"/>
-              <a:t>12.11.2012</a:t>
+              <a:t>17.12.2012</a:t>
             </a:fld>
             <a:endParaRPr lang="ru-RU"/>
           </a:p>
@@ -504,7 +504,7 @@
           <a:p>
             <a:fld id="{18F1067E-4A61-4539-8DC0-017904FDF565}" type="datetimeFigureOut">
               <a:rPr lang="ru-RU" smtClean="0"/>
-              <a:t>12.11.2012</a:t>
+              <a:t>17.12.2012</a:t>
             </a:fld>
             <a:endParaRPr lang="ru-RU"/>
           </a:p>
@@ -679,7 +679,7 @@
           <a:p>
             <a:fld id="{18F1067E-4A61-4539-8DC0-017904FDF565}" type="datetimeFigureOut">
               <a:rPr lang="ru-RU" smtClean="0"/>
-              <a:t>12.11.2012</a:t>
+              <a:t>17.12.2012</a:t>
             </a:fld>
             <a:endParaRPr lang="ru-RU"/>
           </a:p>
@@ -844,7 +844,7 @@
           <a:p>
             <a:fld id="{18F1067E-4A61-4539-8DC0-017904FDF565}" type="datetimeFigureOut">
               <a:rPr lang="ru-RU" smtClean="0"/>
-              <a:t>12.11.2012</a:t>
+              <a:t>17.12.2012</a:t>
             </a:fld>
             <a:endParaRPr lang="ru-RU"/>
           </a:p>
@@ -1092,7 +1092,7 @@
           <a:p>
             <a:fld id="{18F1067E-4A61-4539-8DC0-017904FDF565}" type="datetimeFigureOut">
               <a:rPr lang="ru-RU" smtClean="0"/>
-              <a:t>12.11.2012</a:t>
+              <a:t>17.12.2012</a:t>
             </a:fld>
             <a:endParaRPr lang="ru-RU"/>
           </a:p>
@@ -1410,7 +1410,7 @@
           <a:p>
             <a:fld id="{18F1067E-4A61-4539-8DC0-017904FDF565}" type="datetimeFigureOut">
               <a:rPr lang="ru-RU" smtClean="0"/>
-              <a:t>12.11.2012</a:t>
+              <a:t>17.12.2012</a:t>
             </a:fld>
             <a:endParaRPr lang="ru-RU"/>
           </a:p>
@@ -1876,7 +1876,7 @@
           <a:p>
             <a:fld id="{18F1067E-4A61-4539-8DC0-017904FDF565}" type="datetimeFigureOut">
               <a:rPr lang="ru-RU" smtClean="0"/>
-              <a:t>12.11.2012</a:t>
+              <a:t>17.12.2012</a:t>
             </a:fld>
             <a:endParaRPr lang="ru-RU"/>
           </a:p>
@@ -2024,7 +2024,7 @@
           <a:p>
             <a:fld id="{18F1067E-4A61-4539-8DC0-017904FDF565}" type="datetimeFigureOut">
               <a:rPr lang="ru-RU" smtClean="0"/>
-              <a:t>12.11.2012</a:t>
+              <a:t>17.12.2012</a:t>
             </a:fld>
             <a:endParaRPr lang="ru-RU"/>
           </a:p>
@@ -2114,7 +2114,7 @@
           <a:p>
             <a:fld id="{18F1067E-4A61-4539-8DC0-017904FDF565}" type="datetimeFigureOut">
               <a:rPr lang="ru-RU" smtClean="0"/>
-              <a:t>12.11.2012</a:t>
+              <a:t>17.12.2012</a:t>
             </a:fld>
             <a:endParaRPr lang="ru-RU"/>
           </a:p>
@@ -2388,7 +2388,7 @@
           <a:p>
             <a:fld id="{18F1067E-4A61-4539-8DC0-017904FDF565}" type="datetimeFigureOut">
               <a:rPr lang="ru-RU" smtClean="0"/>
-              <a:t>12.11.2012</a:t>
+              <a:t>17.12.2012</a:t>
             </a:fld>
             <a:endParaRPr lang="ru-RU"/>
           </a:p>
@@ -2693,7 +2693,7 @@
           <a:p>
             <a:fld id="{18F1067E-4A61-4539-8DC0-017904FDF565}" type="datetimeFigureOut">
               <a:rPr lang="ru-RU" smtClean="0"/>
-              <a:t>12.11.2012</a:t>
+              <a:t>17.12.2012</a:t>
             </a:fld>
             <a:endParaRPr lang="ru-RU"/>
           </a:p>
@@ -2991,7 +2991,7 @@
           <a:p>
             <a:fld id="{18F1067E-4A61-4539-8DC0-017904FDF565}" type="datetimeFigureOut">
               <a:rPr lang="ru-RU" smtClean="0"/>
-              <a:t>12.11.2012</a:t>
+              <a:t>17.12.2012</a:t>
             </a:fld>
             <a:endParaRPr lang="ru-RU"/>
           </a:p>
@@ -3475,7 +3475,7 @@
       </p:grpSpPr>
       <p:pic>
         <p:nvPicPr>
-          <p:cNvPr id="5122" name="Picture 2"/>
+          <p:cNvPr id="3074" name="Picture 2"/>
           <p:cNvPicPr>
             <a:picLocks noChangeAspect="1" noChangeArrowheads="1"/>
           </p:cNvPicPr>
@@ -3496,8 +3496,8 @@
         </p:blipFill>
         <p:spPr bwMode="auto">
           <a:xfrm>
-            <a:off x="476250" y="1340768"/>
-            <a:ext cx="8344222" cy="4324697"/>
+            <a:off x="395288" y="585788"/>
+            <a:ext cx="8353425" cy="5686425"/>
           </a:xfrm>
           <a:prstGeom prst="rect">
             <a:avLst/>
@@ -4202,7 +4202,7 @@
       </p:sp>
       <p:pic>
         <p:nvPicPr>
-          <p:cNvPr id="3074" name="Picture 2"/>
+          <p:cNvPr id="1026" name="Picture 2"/>
           <p:cNvPicPr>
             <a:picLocks noChangeAspect="1" noChangeArrowheads="1"/>
           </p:cNvPicPr>
@@ -4223,8 +4223,8 @@
         </p:blipFill>
         <p:spPr bwMode="auto">
           <a:xfrm>
-            <a:off x="899592" y="1743074"/>
-            <a:ext cx="7563311" cy="3990182"/>
+            <a:off x="1128713" y="1412777"/>
+            <a:ext cx="6179591" cy="5085556"/>
           </a:xfrm>
           <a:prstGeom prst="rect">
             <a:avLst/>
@@ -4296,7 +4296,7 @@
       </p:grpSpPr>
       <p:pic>
         <p:nvPicPr>
-          <p:cNvPr id="4098" name="Picture 2"/>
+          <p:cNvPr id="2050" name="Picture 2"/>
           <p:cNvPicPr>
             <a:picLocks noChangeAspect="1" noChangeArrowheads="1"/>
           </p:cNvPicPr>
@@ -4317,8 +4317,8 @@
         </p:blipFill>
         <p:spPr bwMode="auto">
           <a:xfrm>
-            <a:off x="942974" y="800100"/>
-            <a:ext cx="7373441" cy="5581228"/>
+            <a:off x="1681163" y="681038"/>
+            <a:ext cx="6223921" cy="5916314"/>
           </a:xfrm>
           <a:prstGeom prst="rect">
             <a:avLst/>
